--- a/Assets/PPT.pptx
+++ b/Assets/PPT.pptx
@@ -3492,7 +3492,7 @@
         </p:nvSpPr>
         <p:spPr>
           <a:xfrm>
-            <a:off x="3555442" y="1071263"/>
+            <a:off x="3555442" y="1310103"/>
             <a:ext cx="5981382" cy="692497"/>
           </a:xfrm>
           <a:prstGeom prst="rect">
@@ -3528,7 +3528,7 @@
         </p:nvSpPr>
         <p:spPr>
           <a:xfrm>
-            <a:off x="4155254" y="2077572"/>
+            <a:off x="4155254" y="2200404"/>
             <a:ext cx="4781758" cy="477054"/>
           </a:xfrm>
           <a:prstGeom prst="rect">

--- a/Assets/PPT.pptx
+++ b/Assets/PPT.pptx
@@ -104,6 +104,11 @@
       </a:defRPr>
     </a:lvl9pPr>
   </p:defaultTextStyle>
+  <p:extLst>
+    <p:ext uri="{EFAFB233-063F-42B5-8137-9DF3F51BA10A}">
+      <p15:sldGuideLst xmlns:p15="http://schemas.microsoft.com/office/powerpoint/2012/main"/>
+    </p:ext>
+  </p:extLst>
 </p:presentation>
 </file>
 
@@ -256,7 +261,7 @@
           <a:p>
             <a:fld id="{973B7E4F-DEC5-4398-8FB1-FF7C85E4660A}" type="datetimeFigureOut">
               <a:rPr lang="en-AU" smtClean="0"/>
-              <a:t>23/06/2023</a:t>
+              <a:t>28/06/2023</a:t>
             </a:fld>
             <a:endParaRPr lang="en-AU"/>
           </a:p>
@@ -456,7 +461,7 @@
           <a:p>
             <a:fld id="{973B7E4F-DEC5-4398-8FB1-FF7C85E4660A}" type="datetimeFigureOut">
               <a:rPr lang="en-AU" smtClean="0"/>
-              <a:t>23/06/2023</a:t>
+              <a:t>28/06/2023</a:t>
             </a:fld>
             <a:endParaRPr lang="en-AU"/>
           </a:p>
@@ -666,7 +671,7 @@
           <a:p>
             <a:fld id="{973B7E4F-DEC5-4398-8FB1-FF7C85E4660A}" type="datetimeFigureOut">
               <a:rPr lang="en-AU" smtClean="0"/>
-              <a:t>23/06/2023</a:t>
+              <a:t>28/06/2023</a:t>
             </a:fld>
             <a:endParaRPr lang="en-AU"/>
           </a:p>
@@ -866,7 +871,7 @@
           <a:p>
             <a:fld id="{973B7E4F-DEC5-4398-8FB1-FF7C85E4660A}" type="datetimeFigureOut">
               <a:rPr lang="en-AU" smtClean="0"/>
-              <a:t>23/06/2023</a:t>
+              <a:t>28/06/2023</a:t>
             </a:fld>
             <a:endParaRPr lang="en-AU"/>
           </a:p>
@@ -1142,7 +1147,7 @@
           <a:p>
             <a:fld id="{973B7E4F-DEC5-4398-8FB1-FF7C85E4660A}" type="datetimeFigureOut">
               <a:rPr lang="en-AU" smtClean="0"/>
-              <a:t>23/06/2023</a:t>
+              <a:t>28/06/2023</a:t>
             </a:fld>
             <a:endParaRPr lang="en-AU"/>
           </a:p>
@@ -1410,7 +1415,7 @@
           <a:p>
             <a:fld id="{973B7E4F-DEC5-4398-8FB1-FF7C85E4660A}" type="datetimeFigureOut">
               <a:rPr lang="en-AU" smtClean="0"/>
-              <a:t>23/06/2023</a:t>
+              <a:t>28/06/2023</a:t>
             </a:fld>
             <a:endParaRPr lang="en-AU"/>
           </a:p>
@@ -1825,7 +1830,7 @@
           <a:p>
             <a:fld id="{973B7E4F-DEC5-4398-8FB1-FF7C85E4660A}" type="datetimeFigureOut">
               <a:rPr lang="en-AU" smtClean="0"/>
-              <a:t>23/06/2023</a:t>
+              <a:t>28/06/2023</a:t>
             </a:fld>
             <a:endParaRPr lang="en-AU"/>
           </a:p>
@@ -1967,7 +1972,7 @@
           <a:p>
             <a:fld id="{973B7E4F-DEC5-4398-8FB1-FF7C85E4660A}" type="datetimeFigureOut">
               <a:rPr lang="en-AU" smtClean="0"/>
-              <a:t>23/06/2023</a:t>
+              <a:t>28/06/2023</a:t>
             </a:fld>
             <a:endParaRPr lang="en-AU"/>
           </a:p>
@@ -2080,7 +2085,7 @@
           <a:p>
             <a:fld id="{973B7E4F-DEC5-4398-8FB1-FF7C85E4660A}" type="datetimeFigureOut">
               <a:rPr lang="en-AU" smtClean="0"/>
-              <a:t>23/06/2023</a:t>
+              <a:t>28/06/2023</a:t>
             </a:fld>
             <a:endParaRPr lang="en-AU"/>
           </a:p>
@@ -2393,7 +2398,7 @@
           <a:p>
             <a:fld id="{973B7E4F-DEC5-4398-8FB1-FF7C85E4660A}" type="datetimeFigureOut">
               <a:rPr lang="en-AU" smtClean="0"/>
-              <a:t>23/06/2023</a:t>
+              <a:t>28/06/2023</a:t>
             </a:fld>
             <a:endParaRPr lang="en-AU"/>
           </a:p>
@@ -2682,7 +2687,7 @@
           <a:p>
             <a:fld id="{973B7E4F-DEC5-4398-8FB1-FF7C85E4660A}" type="datetimeFigureOut">
               <a:rPr lang="en-AU" smtClean="0"/>
-              <a:t>23/06/2023</a:t>
+              <a:t>28/06/2023</a:t>
             </a:fld>
             <a:endParaRPr lang="en-AU"/>
           </a:p>
@@ -2925,7 +2930,7 @@
           <a:p>
             <a:fld id="{973B7E4F-DEC5-4398-8FB1-FF7C85E4660A}" type="datetimeFigureOut">
               <a:rPr lang="en-AU" smtClean="0"/>
-              <a:t>23/06/2023</a:t>
+              <a:t>28/06/2023</a:t>
             </a:fld>
             <a:endParaRPr lang="en-AU"/>
           </a:p>
@@ -3528,8 +3533,8 @@
         </p:nvSpPr>
         <p:spPr>
           <a:xfrm>
-            <a:off x="4155254" y="2200404"/>
-            <a:ext cx="4781758" cy="477054"/>
+            <a:off x="3893324" y="2200404"/>
+            <a:ext cx="5305620" cy="477054"/>
           </a:xfrm>
           <a:prstGeom prst="rect">
             <a:avLst/>
@@ -3545,7 +3550,7 @@
             <a:pPr algn="ctr"/>
             <a:r>
               <a:rPr lang="en-AU" sz="2500" b="1" dirty="0"/>
-              <a:t>Data science &amp; research specialist</a:t>
+              <a:t>Business scientist &amp; research specialist</a:t>
             </a:r>
           </a:p>
         </p:txBody>
